--- a/3 курс 1 семестр/МВПД/Джуниор разработчик.pptx
+++ b/3 курс 1 семестр/МВПД/Джуниор разработчик.pptx
@@ -16523,35 +16523,6 @@
       </p:sp>
       <p:sp>
         <p:nvSpPr>
-          <p:cNvPr id="2" name="Нижний колонтитул 1">
-            <a:extLst>
-              <a:ext uri="{FF2B5EF4-FFF2-40B4-BE49-F238E27FC236}">
-                <a16:creationId xmlns:a16="http://schemas.microsoft.com/office/drawing/2014/main" id="{B9BB9BB1-292D-4569-BA74-3E766701DB15}"/>
-              </a:ext>
-            </a:extLst>
-          </p:cNvPr>
-          <p:cNvSpPr>
-            <a:spLocks noGrp="1"/>
-          </p:cNvSpPr>
-          <p:nvPr>
-            <p:ph type="ftr" sz="quarter" idx="14"/>
-          </p:nvPr>
-        </p:nvSpPr>
-        <p:spPr/>
-        <p:txBody>
-          <a:bodyPr rtlCol="0"/>
-          <a:lstStyle/>
-          <a:p>
-            <a:pPr rtl="0"/>
-            <a:r>
-              <a:rPr lang="ru-RU" dirty="0"/>
-              <a:t>Добавить нижний колонтитул</a:t>
-            </a:r>
-          </a:p>
-        </p:txBody>
-      </p:sp>
-      <p:sp>
-        <p:nvSpPr>
           <p:cNvPr id="11" name="Прямоугольник: Усеченный угол 10" descr="Контрастный блок нижнего колонтитула">
             <a:extLst>
               <a:ext uri="{FF2B5EF4-FFF2-40B4-BE49-F238E27FC236}">
@@ -17634,35 +17605,6 @@
         </p:blipFill>
         <p:spPr/>
       </p:pic>
-      <p:sp>
-        <p:nvSpPr>
-          <p:cNvPr id="29" name="Нижний колонтитул 28">
-            <a:extLst>
-              <a:ext uri="{FF2B5EF4-FFF2-40B4-BE49-F238E27FC236}">
-                <a16:creationId xmlns:a16="http://schemas.microsoft.com/office/drawing/2014/main" id="{8B1278D5-2C97-4CEF-8849-C9811924FBA1}"/>
-              </a:ext>
-            </a:extLst>
-          </p:cNvPr>
-          <p:cNvSpPr>
-            <a:spLocks noGrp="1"/>
-          </p:cNvSpPr>
-          <p:nvPr>
-            <p:ph type="ftr" sz="quarter" idx="16"/>
-          </p:nvPr>
-        </p:nvSpPr>
-        <p:spPr/>
-        <p:txBody>
-          <a:bodyPr rtlCol="0"/>
-          <a:lstStyle/>
-          <a:p>
-            <a:pPr rtl="0"/>
-            <a:r>
-              <a:rPr lang="ru-RU" dirty="0"/>
-              <a:t>Добавить нижний колонтитул</a:t>
-            </a:r>
-          </a:p>
-        </p:txBody>
-      </p:sp>
       <p:sp>
         <p:nvSpPr>
           <p:cNvPr id="30" name="Номер слайда 29">
